--- a/LC/LC 25 revoir corrosion humide (CPGE)/LC 25 Corrocion humide by EM.odp.pptx
+++ b/LC/LC 25 revoir corrosion humide (CPGE)/LC 25 Corrocion humide by EM.odp.pptx
@@ -208,7 +208,7 @@
           <a:p>
             <a:fld id="{E92782F5-A916-4653-9283-0B21DAE59FD2}" type="datetimeFigureOut">
               <a:rPr lang="fr-FR" smtClean="0"/>
-              <a:t>2020-04-06</a:t>
+              <a:t>2020-04-23</a:t>
             </a:fld>
             <a:endParaRPr lang="fr-FR"/>
           </a:p>
@@ -3579,87 +3579,21 @@
           </p:cNvPicPr>
           <p:nvPr/>
         </p:nvPicPr>
-        <p:blipFill>
+        <p:blipFill rotWithShape="1">
           <a:blip r:embed="rId3"/>
-          <a:stretch>
-            <a:fillRect/>
-          </a:stretch>
+          <a:srcRect l="39480"/>
+          <a:stretch/>
         </p:blipFill>
         <p:spPr>
           <a:xfrm>
-            <a:off x="566737" y="920691"/>
-            <a:ext cx="8010525" cy="3724275"/>
+            <a:off x="2148028" y="901643"/>
+            <a:ext cx="4847944" cy="3724275"/>
           </a:xfrm>
           <a:prstGeom prst="rect">
             <a:avLst/>
           </a:prstGeom>
         </p:spPr>
       </p:pic>
-      <p:sp>
-        <p:nvSpPr>
-          <p:cNvPr id="5" name="ZoneTexte 13">
-            <a:extLst>
-              <a:ext uri="{FF2B5EF4-FFF2-40B4-BE49-F238E27FC236}">
-                <a16:creationId xmlns:a16="http://schemas.microsoft.com/office/drawing/2014/main" id="{848018C8-C2BF-4916-8105-D78A96CF65B6}"/>
-              </a:ext>
-            </a:extLst>
-          </p:cNvPr>
-          <p:cNvSpPr txBox="1"/>
-          <p:nvPr/>
-        </p:nvSpPr>
-        <p:spPr>
-          <a:xfrm>
-            <a:off x="0" y="4846335"/>
-            <a:ext cx="5061962" cy="346676"/>
-          </a:xfrm>
-          <a:prstGeom prst="rect">
-            <a:avLst/>
-          </a:prstGeom>
-          <a:noFill/>
-          <a:ln cap="flat">
-            <a:noFill/>
-          </a:ln>
-        </p:spPr>
-        <p:txBody>
-          <a:bodyPr vert="horz" wrap="none" lIns="90004" tIns="44997" rIns="90004" bIns="44997" anchor="t" anchorCtr="0" compatLnSpc="0">
-            <a:noAutofit/>
-          </a:bodyPr>
-          <a:lstStyle/>
-          <a:p>
-            <a:pPr marL="0" marR="0" lvl="0" indent="0" algn="l" defTabSz="914400" rtl="0" fontAlgn="auto" hangingPunct="0">
-              <a:lnSpc>
-                <a:spcPct val="100000"/>
-              </a:lnSpc>
-              <a:spcBef>
-                <a:spcPts val="0"/>
-              </a:spcBef>
-              <a:spcAft>
-                <a:spcPts val="0"/>
-              </a:spcAft>
-              <a:buNone/>
-              <a:tabLst/>
-              <a:defRPr sz="1800" b="0" i="0" u="none" strike="noStrike" kern="0" cap="none" spc="0" baseline="0">
-                <a:solidFill>
-                  <a:srgbClr val="000000"/>
-                </a:solidFill>
-                <a:uFillTx/>
-              </a:defRPr>
-            </a:pPr>
-            <a:r>
-              <a:rPr lang="en-US" sz="1400" b="0" i="0" u="none" strike="noStrike" kern="1200" cap="none" spc="0" baseline="0" dirty="0">
-                <a:solidFill>
-                  <a:srgbClr val="000000"/>
-                </a:solidFill>
-                <a:uFillTx/>
-                <a:latin typeface="Liberation Serif" pitchFamily="18"/>
-                <a:ea typeface="Microsoft YaHei" pitchFamily="2"/>
-                <a:cs typeface="Mangal" pitchFamily="2"/>
-              </a:rPr>
-              <a:t>http://leroy.pe.free.fr/psi_new/tp/tp_corrosion.pdf</a:t>
-            </a:r>
-          </a:p>
-        </p:txBody>
-      </p:sp>
       <p:sp>
         <p:nvSpPr>
           <p:cNvPr id="6" name="ZoneTexte 4">
